--- a/pressure/fig.pptx
+++ b/pressure/fig.pptx
@@ -6,6 +6,9 @@
   </p:sldMasterIdLst>
   <p:sldIdLst>
     <p:sldId id="256" r:id="rId2"/>
+    <p:sldId id="257" r:id="rId3"/>
+    <p:sldId id="258" r:id="rId4"/>
+    <p:sldId id="259" r:id="rId5"/>
   </p:sldIdLst>
   <p:sldSz cx="9144000" cy="6858000" type="screen4x3"/>
   <p:notesSz cx="6858000" cy="9144000"/>
@@ -634,8 +637,8 @@
               </a:fontRef>
             </p:style>
           </p:cxnSp>
-          <mc:AlternateContent xmlns:mc="http://schemas.openxmlformats.org/markup-compatibility/2006">
-            <mc:Choice xmlns:a14="http://schemas.microsoft.com/office/drawing/2010/main" Requires="a14">
+          <mc:AlternateContent xmlns:mc="http://schemas.openxmlformats.org/markup-compatibility/2006" xmlns:a14="http://schemas.microsoft.com/office/drawing/2010/main">
+            <mc:Choice Requires="a14">
               <p:sp>
                 <p:nvSpPr>
                   <p:cNvPr id="11" name="テキスト ボックス 10">
@@ -664,6 +667,7 @@
                   </a:bodyPr>
                   <a:lstStyle/>
                   <a:p>
+                    <a:pPr/>
                     <a14:m>
                       <m:oMathPara xmlns:m="http://schemas.openxmlformats.org/officeDocument/2006/math">
                         <m:oMathParaPr>
@@ -684,7 +688,7 @@
                 </p:txBody>
               </p:sp>
             </mc:Choice>
-            <mc:Fallback>
+            <mc:Fallback xmlns="">
               <p:sp>
                 <p:nvSpPr>
                   <p:cNvPr id="11" name="テキスト ボックス 10">
@@ -858,8 +862,8 @@
               </a:fontRef>
             </p:style>
           </p:cxnSp>
-          <mc:AlternateContent xmlns:mc="http://schemas.openxmlformats.org/markup-compatibility/2006">
-            <mc:Choice xmlns:a14="http://schemas.microsoft.com/office/drawing/2010/main" Requires="a14">
+          <mc:AlternateContent xmlns:mc="http://schemas.openxmlformats.org/markup-compatibility/2006" xmlns:a14="http://schemas.microsoft.com/office/drawing/2010/main">
+            <mc:Choice Requires="a14">
               <p:sp>
                 <p:nvSpPr>
                   <p:cNvPr id="12" name="テキスト ボックス 11">
@@ -888,6 +892,7 @@
                   </a:bodyPr>
                   <a:lstStyle/>
                   <a:p>
+                    <a:pPr/>
                     <a14:m>
                       <m:oMathPara xmlns:m="http://schemas.openxmlformats.org/officeDocument/2006/math">
                         <m:oMathParaPr>
@@ -908,7 +913,7 @@
                 </p:txBody>
               </p:sp>
             </mc:Choice>
-            <mc:Fallback>
+            <mc:Fallback xmlns="">
               <p:sp>
                 <p:nvSpPr>
                   <p:cNvPr id="12" name="テキスト ボックス 11">
@@ -1182,8 +1187,8 @@
               </a:fontRef>
             </p:style>
           </p:cxnSp>
-          <mc:AlternateContent xmlns:mc="http://schemas.openxmlformats.org/markup-compatibility/2006">
-            <mc:Choice xmlns:a14="http://schemas.microsoft.com/office/drawing/2010/main" Requires="a14">
+          <mc:AlternateContent xmlns:mc="http://schemas.openxmlformats.org/markup-compatibility/2006" xmlns:a14="http://schemas.microsoft.com/office/drawing/2010/main">
+            <mc:Choice Requires="a14">
               <p:sp>
                 <p:nvSpPr>
                   <p:cNvPr id="26" name="テキスト ボックス 25">
@@ -1212,6 +1217,7 @@
                   </a:bodyPr>
                   <a:lstStyle/>
                   <a:p>
+                    <a:pPr/>
                     <a14:m>
                       <m:oMathPara xmlns:m="http://schemas.openxmlformats.org/officeDocument/2006/math">
                         <m:oMathParaPr>
@@ -1232,7 +1238,7 @@
                 </p:txBody>
               </p:sp>
             </mc:Choice>
-            <mc:Fallback>
+            <mc:Fallback xmlns="">
               <p:sp>
                 <p:nvSpPr>
                   <p:cNvPr id="26" name="テキスト ボックス 25">
@@ -1406,8 +1412,8 @@
               </a:fontRef>
             </p:style>
           </p:cxnSp>
-          <mc:AlternateContent xmlns:mc="http://schemas.openxmlformats.org/markup-compatibility/2006">
-            <mc:Choice xmlns:a14="http://schemas.microsoft.com/office/drawing/2010/main" Requires="a14">
+          <mc:AlternateContent xmlns:mc="http://schemas.openxmlformats.org/markup-compatibility/2006" xmlns:a14="http://schemas.microsoft.com/office/drawing/2010/main">
+            <mc:Choice Requires="a14">
               <p:sp>
                 <p:nvSpPr>
                   <p:cNvPr id="30" name="テキスト ボックス 29">
@@ -1436,6 +1442,7 @@
                   </a:bodyPr>
                   <a:lstStyle/>
                   <a:p>
+                    <a:pPr/>
                     <a14:m>
                       <m:oMathPara xmlns:m="http://schemas.openxmlformats.org/officeDocument/2006/math">
                         <m:oMathParaPr>
@@ -1456,7 +1463,7 @@
                 </p:txBody>
               </p:sp>
             </mc:Choice>
-            <mc:Fallback>
+            <mc:Fallback xmlns="">
               <p:sp>
                 <p:nvSpPr>
                   <p:cNvPr id="30" name="テキスト ボックス 29">
@@ -1589,8 +1596,8 @@
           </a:fontRef>
         </p:style>
       </p:cxnSp>
-      <mc:AlternateContent xmlns:mc="http://schemas.openxmlformats.org/markup-compatibility/2006">
-        <mc:Choice xmlns:a14="http://schemas.microsoft.com/office/drawing/2010/main" Requires="a14">
+      <mc:AlternateContent xmlns:mc="http://schemas.openxmlformats.org/markup-compatibility/2006" xmlns:a14="http://schemas.microsoft.com/office/drawing/2010/main">
+        <mc:Choice Requires="a14">
           <p:sp>
             <p:nvSpPr>
               <p:cNvPr id="38" name="テキスト ボックス 37">
@@ -1619,6 +1626,7 @@
               </a:bodyPr>
               <a:lstStyle/>
               <a:p>
+                <a:pPr/>
                 <a14:m>
                   <m:oMathPara xmlns:m="http://schemas.openxmlformats.org/officeDocument/2006/math">
                     <m:oMathParaPr>
@@ -1639,7 +1647,7 @@
             </p:txBody>
           </p:sp>
         </mc:Choice>
-        <mc:Fallback>
+        <mc:Fallback xmlns="">
           <p:sp>
             <p:nvSpPr>
               <p:cNvPr id="38" name="テキスト ボックス 37">
@@ -1684,8 +1692,8 @@
           </p:sp>
         </mc:Fallback>
       </mc:AlternateContent>
-      <mc:AlternateContent xmlns:mc="http://schemas.openxmlformats.org/markup-compatibility/2006">
-        <mc:Choice xmlns:a14="http://schemas.microsoft.com/office/drawing/2010/main" Requires="a14">
+      <mc:AlternateContent xmlns:mc="http://schemas.openxmlformats.org/markup-compatibility/2006" xmlns:a14="http://schemas.microsoft.com/office/drawing/2010/main">
+        <mc:Choice Requires="a14">
           <p:sp>
             <p:nvSpPr>
               <p:cNvPr id="39" name="テキスト ボックス 38">
@@ -1714,6 +1722,7 @@
               </a:bodyPr>
               <a:lstStyle/>
               <a:p>
+                <a:pPr/>
                 <a14:m>
                   <m:oMathPara xmlns:m="http://schemas.openxmlformats.org/officeDocument/2006/math">
                     <m:oMathParaPr>
@@ -1734,7 +1743,7 @@
             </p:txBody>
           </p:sp>
         </mc:Choice>
-        <mc:Fallback>
+        <mc:Fallback xmlns="">
           <p:sp>
             <p:nvSpPr>
               <p:cNvPr id="39" name="テキスト ボックス 38">
@@ -1962,8 +1971,8 @@
               </a:fontRef>
             </p:style>
           </p:cxnSp>
-          <mc:AlternateContent xmlns:mc="http://schemas.openxmlformats.org/markup-compatibility/2006">
-            <mc:Choice xmlns:a14="http://schemas.microsoft.com/office/drawing/2010/main" Requires="a14">
+          <mc:AlternateContent xmlns:mc="http://schemas.openxmlformats.org/markup-compatibility/2006" xmlns:a14="http://schemas.microsoft.com/office/drawing/2010/main">
+            <mc:Choice Requires="a14">
               <p:sp>
                 <p:nvSpPr>
                   <p:cNvPr id="49" name="テキスト ボックス 48">
@@ -1992,6 +2001,7 @@
                   </a:bodyPr>
                   <a:lstStyle/>
                   <a:p>
+                    <a:pPr/>
                     <a14:m>
                       <m:oMathPara xmlns:m="http://schemas.openxmlformats.org/officeDocument/2006/math">
                         <m:oMathParaPr>
@@ -2012,7 +2022,7 @@
                 </p:txBody>
               </p:sp>
             </mc:Choice>
-            <mc:Fallback>
+            <mc:Fallback xmlns="">
               <p:sp>
                 <p:nvSpPr>
                   <p:cNvPr id="49" name="テキスト ボックス 48">
@@ -2186,8 +2196,8 @@
               </a:fontRef>
             </p:style>
           </p:cxnSp>
-          <mc:AlternateContent xmlns:mc="http://schemas.openxmlformats.org/markup-compatibility/2006">
-            <mc:Choice xmlns:a14="http://schemas.microsoft.com/office/drawing/2010/main" Requires="a14">
+          <mc:AlternateContent xmlns:mc="http://schemas.openxmlformats.org/markup-compatibility/2006" xmlns:a14="http://schemas.microsoft.com/office/drawing/2010/main">
+            <mc:Choice Requires="a14">
               <p:sp>
                 <p:nvSpPr>
                   <p:cNvPr id="46" name="テキスト ボックス 45">
@@ -2216,6 +2226,7 @@
                   </a:bodyPr>
                   <a:lstStyle/>
                   <a:p>
+                    <a:pPr/>
                     <a14:m>
                       <m:oMathPara xmlns:m="http://schemas.openxmlformats.org/officeDocument/2006/math">
                         <m:oMathParaPr>
@@ -2236,7 +2247,7 @@
                 </p:txBody>
               </p:sp>
             </mc:Choice>
-            <mc:Fallback>
+            <mc:Fallback xmlns="">
               <p:sp>
                 <p:nvSpPr>
                   <p:cNvPr id="46" name="テキスト ボックス 45">
@@ -2431,8 +2442,8 @@
               </a:fontRef>
             </p:style>
           </p:cxnSp>
-          <mc:AlternateContent xmlns:mc="http://schemas.openxmlformats.org/markup-compatibility/2006">
-            <mc:Choice xmlns:a14="http://schemas.microsoft.com/office/drawing/2010/main" Requires="a14">
+          <mc:AlternateContent xmlns:mc="http://schemas.openxmlformats.org/markup-compatibility/2006" xmlns:a14="http://schemas.microsoft.com/office/drawing/2010/main">
+            <mc:Choice Requires="a14">
               <p:sp>
                 <p:nvSpPr>
                   <p:cNvPr id="58" name="テキスト ボックス 57">
@@ -2461,6 +2472,7 @@
                   </a:bodyPr>
                   <a:lstStyle/>
                   <a:p>
+                    <a:pPr/>
                     <a14:m>
                       <m:oMathPara xmlns:m="http://schemas.openxmlformats.org/officeDocument/2006/math">
                         <m:oMathParaPr>
@@ -2481,7 +2493,7 @@
                 </p:txBody>
               </p:sp>
             </mc:Choice>
-            <mc:Fallback>
+            <mc:Fallback xmlns="">
               <p:sp>
                 <p:nvSpPr>
                   <p:cNvPr id="58" name="テキスト ボックス 57">
@@ -2655,8 +2667,8 @@
               </a:fontRef>
             </p:style>
           </p:cxnSp>
-          <mc:AlternateContent xmlns:mc="http://schemas.openxmlformats.org/markup-compatibility/2006">
-            <mc:Choice xmlns:a14="http://schemas.microsoft.com/office/drawing/2010/main" Requires="a14">
+          <mc:AlternateContent xmlns:mc="http://schemas.openxmlformats.org/markup-compatibility/2006" xmlns:a14="http://schemas.microsoft.com/office/drawing/2010/main">
+            <mc:Choice Requires="a14">
               <p:sp>
                 <p:nvSpPr>
                   <p:cNvPr id="55" name="テキスト ボックス 54">
@@ -2685,6 +2697,7 @@
                   </a:bodyPr>
                   <a:lstStyle/>
                   <a:p>
+                    <a:pPr/>
                     <a14:m>
                       <m:oMathPara xmlns:m="http://schemas.openxmlformats.org/officeDocument/2006/math">
                         <m:oMathParaPr>
@@ -2705,7 +2718,7 @@
                 </p:txBody>
               </p:sp>
             </mc:Choice>
-            <mc:Fallback>
+            <mc:Fallback xmlns="">
               <p:sp>
                 <p:nvSpPr>
                   <p:cNvPr id="55" name="テキスト ボックス 54">
@@ -2840,8 +2853,8 @@
           </a:fontRef>
         </p:style>
       </p:cxnSp>
-      <mc:AlternateContent xmlns:mc="http://schemas.openxmlformats.org/markup-compatibility/2006">
-        <mc:Choice xmlns:a14="http://schemas.microsoft.com/office/drawing/2010/main" Requires="a14">
+      <mc:AlternateContent xmlns:mc="http://schemas.openxmlformats.org/markup-compatibility/2006" xmlns:a14="http://schemas.microsoft.com/office/drawing/2010/main">
+        <mc:Choice Requires="a14">
           <p:sp>
             <p:nvSpPr>
               <p:cNvPr id="61" name="テキスト ボックス 60">
@@ -2870,6 +2883,7 @@
               </a:bodyPr>
               <a:lstStyle/>
               <a:p>
+                <a:pPr/>
                 <a14:m>
                   <m:oMathPara xmlns:m="http://schemas.openxmlformats.org/officeDocument/2006/math">
                     <m:oMathParaPr>
@@ -2921,7 +2935,7 @@
             </p:txBody>
           </p:sp>
         </mc:Choice>
-        <mc:Fallback>
+        <mc:Fallback xmlns="">
           <p:sp>
             <p:nvSpPr>
               <p:cNvPr id="61" name="テキスト ボックス 60">
@@ -3010,8 +3024,8 @@
           </a:fontRef>
         </p:style>
       </p:cxnSp>
-      <mc:AlternateContent xmlns:mc="http://schemas.openxmlformats.org/markup-compatibility/2006">
-        <mc:Choice xmlns:a14="http://schemas.microsoft.com/office/drawing/2010/main" Requires="a14">
+      <mc:AlternateContent xmlns:mc="http://schemas.openxmlformats.org/markup-compatibility/2006" xmlns:a14="http://schemas.microsoft.com/office/drawing/2010/main">
+        <mc:Choice Requires="a14">
           <p:sp>
             <p:nvSpPr>
               <p:cNvPr id="64" name="テキスト ボックス 63">
@@ -3040,6 +3054,7 @@
               </a:bodyPr>
               <a:lstStyle/>
               <a:p>
+                <a:pPr/>
                 <a14:m>
                   <m:oMathPara xmlns:m="http://schemas.openxmlformats.org/officeDocument/2006/math">
                     <m:oMathParaPr>
@@ -3079,7 +3094,7 @@
             </p:txBody>
           </p:sp>
         </mc:Choice>
-        <mc:Fallback>
+        <mc:Fallback xmlns="">
           <p:sp>
             <p:nvSpPr>
               <p:cNvPr id="64" name="テキスト ボックス 63">
@@ -3168,8 +3183,8 @@
           </a:fontRef>
         </p:style>
       </p:cxnSp>
-      <mc:AlternateContent xmlns:mc="http://schemas.openxmlformats.org/markup-compatibility/2006">
-        <mc:Choice xmlns:a14="http://schemas.microsoft.com/office/drawing/2010/main" Requires="a14">
+      <mc:AlternateContent xmlns:mc="http://schemas.openxmlformats.org/markup-compatibility/2006" xmlns:a14="http://schemas.microsoft.com/office/drawing/2010/main">
+        <mc:Choice Requires="a14">
           <p:sp>
             <p:nvSpPr>
               <p:cNvPr id="66" name="テキスト ボックス 65">
@@ -3198,6 +3213,7 @@
               </a:bodyPr>
               <a:lstStyle/>
               <a:p>
+                <a:pPr/>
                 <a14:m>
                   <m:oMathPara xmlns:m="http://schemas.openxmlformats.org/officeDocument/2006/math">
                     <m:oMathParaPr>
@@ -3237,7 +3253,7 @@
             </p:txBody>
           </p:sp>
         </mc:Choice>
-        <mc:Fallback>
+        <mc:Fallback xmlns="">
           <p:sp>
             <p:nvSpPr>
               <p:cNvPr id="66" name="テキスト ボックス 65">
@@ -3326,8 +3342,8 @@
           </a:fontRef>
         </p:style>
       </p:cxnSp>
-      <mc:AlternateContent xmlns:mc="http://schemas.openxmlformats.org/markup-compatibility/2006">
-        <mc:Choice xmlns:a14="http://schemas.microsoft.com/office/drawing/2010/main" Requires="a14">
+      <mc:AlternateContent xmlns:mc="http://schemas.openxmlformats.org/markup-compatibility/2006" xmlns:a14="http://schemas.microsoft.com/office/drawing/2010/main">
+        <mc:Choice Requires="a14">
           <p:sp>
             <p:nvSpPr>
               <p:cNvPr id="81" name="テキスト ボックス 80">
@@ -3356,6 +3372,7 @@
               </a:bodyPr>
               <a:lstStyle/>
               <a:p>
+                <a:pPr/>
                 <a14:m>
                   <m:oMathPara xmlns:m="http://schemas.openxmlformats.org/officeDocument/2006/math">
                     <m:oMathParaPr>
@@ -3407,7 +3424,7 @@
             </p:txBody>
           </p:sp>
         </mc:Choice>
-        <mc:Fallback>
+        <mc:Fallback xmlns="">
           <p:sp>
             <p:nvSpPr>
               <p:cNvPr id="81" name="テキスト ボックス 80">
@@ -3515,8 +3532,8 @@
           </a:p>
         </p:txBody>
       </p:sp>
-      <mc:AlternateContent xmlns:mc="http://schemas.openxmlformats.org/markup-compatibility/2006">
-        <mc:Choice xmlns:a14="http://schemas.microsoft.com/office/drawing/2010/main" Requires="a14">
+      <mc:AlternateContent xmlns:mc="http://schemas.openxmlformats.org/markup-compatibility/2006" xmlns:a14="http://schemas.microsoft.com/office/drawing/2010/main">
+        <mc:Choice Requires="a14">
           <p:sp>
             <p:nvSpPr>
               <p:cNvPr id="83" name="テキスト ボックス 82">
@@ -3545,6 +3562,7 @@
               </a:bodyPr>
               <a:lstStyle/>
               <a:p>
+                <a:pPr/>
                 <a14:m>
                   <m:oMathPara xmlns:m="http://schemas.openxmlformats.org/officeDocument/2006/math">
                     <m:oMathParaPr>
@@ -3596,7 +3614,7 @@
             </p:txBody>
           </p:sp>
         </mc:Choice>
-        <mc:Fallback>
+        <mc:Fallback xmlns="">
           <p:sp>
             <p:nvSpPr>
               <p:cNvPr id="83" name="テキスト ボックス 82">
@@ -3819,6 +3837,1694 @@
     <p:extLst>
       <p:ext uri="{BB962C8B-B14F-4D97-AF65-F5344CB8AC3E}">
         <p14:creationId xmlns:p14="http://schemas.microsoft.com/office/powerpoint/2010/main" val="3207099053"/>
+      </p:ext>
+    </p:extLst>
+  </p:cSld>
+  <p:clrMapOvr>
+    <a:masterClrMapping/>
+  </p:clrMapOvr>
+</p:sld>
+</file>
+
+<file path=ppt/slides/slide2.xml><?xml version="1.0" encoding="utf-8"?>
+<p:sld xmlns:a="http://schemas.openxmlformats.org/drawingml/2006/main" xmlns:r="http://schemas.openxmlformats.org/officeDocument/2006/relationships" xmlns:p="http://schemas.openxmlformats.org/presentationml/2006/main">
+  <p:cSld>
+    <p:spTree>
+      <p:nvGrpSpPr>
+        <p:cNvPr id="1" name=""/>
+        <p:cNvGrpSpPr/>
+        <p:nvPr/>
+      </p:nvGrpSpPr>
+      <p:grpSpPr>
+        <a:xfrm>
+          <a:off x="0" y="0"/>
+          <a:ext cx="0" cy="0"/>
+          <a:chOff x="0" y="0"/>
+          <a:chExt cx="0" cy="0"/>
+        </a:xfrm>
+      </p:grpSpPr>
+      <p:grpSp>
+        <p:nvGrpSpPr>
+          <p:cNvPr id="25" name="グループ化 24">
+            <a:extLst>
+              <a:ext uri="{FF2B5EF4-FFF2-40B4-BE49-F238E27FC236}">
+                <a16:creationId xmlns:a16="http://schemas.microsoft.com/office/drawing/2014/main" id="{F955926D-8521-8C44-8090-837B2A39CD77}"/>
+              </a:ext>
+            </a:extLst>
+          </p:cNvPr>
+          <p:cNvGrpSpPr/>
+          <p:nvPr/>
+        </p:nvGrpSpPr>
+        <p:grpSpPr>
+          <a:xfrm>
+            <a:off x="4067944" y="548680"/>
+            <a:ext cx="2871936" cy="1630384"/>
+            <a:chOff x="4004320" y="201579"/>
+            <a:chExt cx="3805282" cy="2160240"/>
+          </a:xfrm>
+        </p:grpSpPr>
+        <p:sp>
+          <p:nvSpPr>
+            <p:cNvPr id="5" name="正方形/長方形 4">
+              <a:extLst>
+                <a:ext uri="{FF2B5EF4-FFF2-40B4-BE49-F238E27FC236}">
+                  <a16:creationId xmlns:a16="http://schemas.microsoft.com/office/drawing/2014/main" id="{8DD0F13F-2085-FA48-96F9-859EFED59770}"/>
+                </a:ext>
+              </a:extLst>
+            </p:cNvPr>
+            <p:cNvSpPr/>
+            <p:nvPr/>
+          </p:nvSpPr>
+          <p:spPr>
+            <a:xfrm>
+              <a:off x="4004320" y="201579"/>
+              <a:ext cx="1512168" cy="1512168"/>
+            </a:xfrm>
+            <a:prstGeom prst="rect">
+              <a:avLst/>
+            </a:prstGeom>
+            <a:noFill/>
+            <a:ln>
+              <a:solidFill>
+                <a:schemeClr val="tx1"/>
+              </a:solidFill>
+            </a:ln>
+          </p:spPr>
+          <p:style>
+            <a:lnRef idx="2">
+              <a:schemeClr val="accent1">
+                <a:shade val="50000"/>
+              </a:schemeClr>
+            </a:lnRef>
+            <a:fillRef idx="1">
+              <a:schemeClr val="accent1"/>
+            </a:fillRef>
+            <a:effectRef idx="0">
+              <a:schemeClr val="accent1"/>
+            </a:effectRef>
+            <a:fontRef idx="minor">
+              <a:schemeClr val="lt1"/>
+            </a:fontRef>
+          </p:style>
+          <p:txBody>
+            <a:bodyPr rtlCol="0" anchor="ctr"/>
+            <a:lstStyle/>
+            <a:p>
+              <a:pPr algn="ctr"/>
+              <a:endParaRPr kumimoji="1" lang="ja-JP" altLang="en-US">
+                <a:solidFill>
+                  <a:schemeClr val="tx1"/>
+                </a:solidFill>
+              </a:endParaRPr>
+            </a:p>
+          </p:txBody>
+        </p:sp>
+        <p:cxnSp>
+          <p:nvCxnSpPr>
+            <p:cNvPr id="12" name="直線コネクタ 11">
+              <a:extLst>
+                <a:ext uri="{FF2B5EF4-FFF2-40B4-BE49-F238E27FC236}">
+                  <a16:creationId xmlns:a16="http://schemas.microsoft.com/office/drawing/2014/main" id="{C6D173D3-6581-CE42-933E-CE5F7E15668B}"/>
+                </a:ext>
+              </a:extLst>
+            </p:cNvPr>
+            <p:cNvCxnSpPr>
+              <a:cxnSpLocks/>
+            </p:cNvCxnSpPr>
+            <p:nvPr/>
+          </p:nvCxnSpPr>
+          <p:spPr>
+            <a:xfrm>
+              <a:off x="5516488" y="1713747"/>
+              <a:ext cx="2293114" cy="648072"/>
+            </a:xfrm>
+            <a:prstGeom prst="line">
+              <a:avLst/>
+            </a:prstGeom>
+            <a:ln w="12700">
+              <a:solidFill>
+                <a:schemeClr val="tx1"/>
+              </a:solidFill>
+              <a:prstDash val="dash"/>
+            </a:ln>
+          </p:spPr>
+          <p:style>
+            <a:lnRef idx="1">
+              <a:schemeClr val="accent1"/>
+            </a:lnRef>
+            <a:fillRef idx="0">
+              <a:schemeClr val="accent1"/>
+            </a:fillRef>
+            <a:effectRef idx="0">
+              <a:schemeClr val="accent1"/>
+            </a:effectRef>
+            <a:fontRef idx="minor">
+              <a:schemeClr val="tx1"/>
+            </a:fontRef>
+          </p:style>
+        </p:cxnSp>
+        <p:sp>
+          <p:nvSpPr>
+            <p:cNvPr id="22" name="正方形/長方形 21">
+              <a:extLst>
+                <a:ext uri="{FF2B5EF4-FFF2-40B4-BE49-F238E27FC236}">
+                  <a16:creationId xmlns:a16="http://schemas.microsoft.com/office/drawing/2014/main" id="{240C8B7B-A3E0-754E-A9E7-DECD11E8DE16}"/>
+                </a:ext>
+              </a:extLst>
+            </p:cNvPr>
+            <p:cNvSpPr/>
+            <p:nvPr/>
+          </p:nvSpPr>
+          <p:spPr>
+            <a:xfrm>
+              <a:off x="5148064" y="525615"/>
+              <a:ext cx="1514981" cy="1512168"/>
+            </a:xfrm>
+            <a:prstGeom prst="rect">
+              <a:avLst/>
+            </a:prstGeom>
+            <a:solidFill>
+              <a:srgbClr val="F8CBAD">
+                <a:alpha val="50196"/>
+              </a:srgbClr>
+            </a:solidFill>
+            <a:ln>
+              <a:noFill/>
+            </a:ln>
+          </p:spPr>
+          <p:style>
+            <a:lnRef idx="2">
+              <a:schemeClr val="accent1">
+                <a:shade val="50000"/>
+              </a:schemeClr>
+            </a:lnRef>
+            <a:fillRef idx="1">
+              <a:schemeClr val="accent1"/>
+            </a:fillRef>
+            <a:effectRef idx="0">
+              <a:schemeClr val="accent1"/>
+            </a:effectRef>
+            <a:fontRef idx="minor">
+              <a:schemeClr val="lt1"/>
+            </a:fontRef>
+          </p:style>
+          <p:txBody>
+            <a:bodyPr rtlCol="0" anchor="ctr"/>
+            <a:lstStyle/>
+            <a:p>
+              <a:pPr algn="ctr"/>
+              <a:endParaRPr kumimoji="1" lang="ja-JP" altLang="en-US">
+                <a:solidFill>
+                  <a:schemeClr val="tx1"/>
+                </a:solidFill>
+              </a:endParaRPr>
+            </a:p>
+          </p:txBody>
+        </p:sp>
+        <p:cxnSp>
+          <p:nvCxnSpPr>
+            <p:cNvPr id="7" name="直線コネクタ 6">
+              <a:extLst>
+                <a:ext uri="{FF2B5EF4-FFF2-40B4-BE49-F238E27FC236}">
+                  <a16:creationId xmlns:a16="http://schemas.microsoft.com/office/drawing/2014/main" id="{684B5A5C-815A-B24C-9166-05E01A84D9E6}"/>
+                </a:ext>
+              </a:extLst>
+            </p:cNvPr>
+            <p:cNvCxnSpPr>
+              <a:cxnSpLocks/>
+            </p:cNvCxnSpPr>
+            <p:nvPr/>
+          </p:nvCxnSpPr>
+          <p:spPr>
+            <a:xfrm>
+              <a:off x="4004320" y="201579"/>
+              <a:ext cx="2293114" cy="648072"/>
+            </a:xfrm>
+            <a:prstGeom prst="line">
+              <a:avLst/>
+            </a:prstGeom>
+            <a:ln w="12700">
+              <a:solidFill>
+                <a:schemeClr val="tx1"/>
+              </a:solidFill>
+            </a:ln>
+          </p:spPr>
+          <p:style>
+            <a:lnRef idx="1">
+              <a:schemeClr val="accent1"/>
+            </a:lnRef>
+            <a:fillRef idx="0">
+              <a:schemeClr val="accent1"/>
+            </a:fillRef>
+            <a:effectRef idx="0">
+              <a:schemeClr val="accent1"/>
+            </a:effectRef>
+            <a:fontRef idx="minor">
+              <a:schemeClr val="tx1"/>
+            </a:fontRef>
+          </p:style>
+        </p:cxnSp>
+        <p:sp>
+          <p:nvSpPr>
+            <p:cNvPr id="8" name="正方形/長方形 7">
+              <a:extLst>
+                <a:ext uri="{FF2B5EF4-FFF2-40B4-BE49-F238E27FC236}">
+                  <a16:creationId xmlns:a16="http://schemas.microsoft.com/office/drawing/2014/main" id="{6EBCF5A0-DF17-C949-9107-9B5D3C628B87}"/>
+                </a:ext>
+              </a:extLst>
+            </p:cNvPr>
+            <p:cNvSpPr/>
+            <p:nvPr/>
+          </p:nvSpPr>
+          <p:spPr>
+            <a:xfrm>
+              <a:off x="6297434" y="849651"/>
+              <a:ext cx="1512168" cy="1512168"/>
+            </a:xfrm>
+            <a:prstGeom prst="rect">
+              <a:avLst/>
+            </a:prstGeom>
+            <a:noFill/>
+            <a:ln>
+              <a:solidFill>
+                <a:schemeClr val="tx1"/>
+              </a:solidFill>
+            </a:ln>
+          </p:spPr>
+          <p:style>
+            <a:lnRef idx="2">
+              <a:schemeClr val="accent1">
+                <a:shade val="50000"/>
+              </a:schemeClr>
+            </a:lnRef>
+            <a:fillRef idx="1">
+              <a:schemeClr val="accent1"/>
+            </a:fillRef>
+            <a:effectRef idx="0">
+              <a:schemeClr val="accent1"/>
+            </a:effectRef>
+            <a:fontRef idx="minor">
+              <a:schemeClr val="lt1"/>
+            </a:fontRef>
+          </p:style>
+          <p:txBody>
+            <a:bodyPr rtlCol="0" anchor="ctr"/>
+            <a:lstStyle/>
+            <a:p>
+              <a:pPr algn="ctr"/>
+              <a:endParaRPr kumimoji="1" lang="ja-JP" altLang="en-US">
+                <a:solidFill>
+                  <a:schemeClr val="tx1"/>
+                </a:solidFill>
+              </a:endParaRPr>
+            </a:p>
+          </p:txBody>
+        </p:sp>
+        <p:cxnSp>
+          <p:nvCxnSpPr>
+            <p:cNvPr id="10" name="直線コネクタ 9">
+              <a:extLst>
+                <a:ext uri="{FF2B5EF4-FFF2-40B4-BE49-F238E27FC236}">
+                  <a16:creationId xmlns:a16="http://schemas.microsoft.com/office/drawing/2014/main" id="{75560E94-E5A6-0746-ADD1-9C15DDBD8822}"/>
+                </a:ext>
+              </a:extLst>
+            </p:cNvPr>
+            <p:cNvCxnSpPr>
+              <a:cxnSpLocks/>
+            </p:cNvCxnSpPr>
+            <p:nvPr/>
+          </p:nvCxnSpPr>
+          <p:spPr>
+            <a:xfrm>
+              <a:off x="5516488" y="201579"/>
+              <a:ext cx="2293114" cy="648072"/>
+            </a:xfrm>
+            <a:prstGeom prst="line">
+              <a:avLst/>
+            </a:prstGeom>
+            <a:ln w="12700">
+              <a:solidFill>
+                <a:schemeClr val="tx1"/>
+              </a:solidFill>
+            </a:ln>
+          </p:spPr>
+          <p:style>
+            <a:lnRef idx="1">
+              <a:schemeClr val="accent1"/>
+            </a:lnRef>
+            <a:fillRef idx="0">
+              <a:schemeClr val="accent1"/>
+            </a:fillRef>
+            <a:effectRef idx="0">
+              <a:schemeClr val="accent1"/>
+            </a:effectRef>
+            <a:fontRef idx="minor">
+              <a:schemeClr val="tx1"/>
+            </a:fontRef>
+          </p:style>
+        </p:cxnSp>
+        <p:cxnSp>
+          <p:nvCxnSpPr>
+            <p:cNvPr id="11" name="直線コネクタ 10">
+              <a:extLst>
+                <a:ext uri="{FF2B5EF4-FFF2-40B4-BE49-F238E27FC236}">
+                  <a16:creationId xmlns:a16="http://schemas.microsoft.com/office/drawing/2014/main" id="{0CFAC9F4-6D12-1C45-AED7-31625A5A1325}"/>
+                </a:ext>
+              </a:extLst>
+            </p:cNvPr>
+            <p:cNvCxnSpPr>
+              <a:cxnSpLocks/>
+            </p:cNvCxnSpPr>
+            <p:nvPr/>
+          </p:nvCxnSpPr>
+          <p:spPr>
+            <a:xfrm>
+              <a:off x="4004320" y="1713747"/>
+              <a:ext cx="2293114" cy="648072"/>
+            </a:xfrm>
+            <a:prstGeom prst="line">
+              <a:avLst/>
+            </a:prstGeom>
+            <a:ln w="12700">
+              <a:solidFill>
+                <a:schemeClr val="tx1"/>
+              </a:solidFill>
+            </a:ln>
+          </p:spPr>
+          <p:style>
+            <a:lnRef idx="1">
+              <a:schemeClr val="accent1"/>
+            </a:lnRef>
+            <a:fillRef idx="0">
+              <a:schemeClr val="accent1"/>
+            </a:fillRef>
+            <a:effectRef idx="0">
+              <a:schemeClr val="accent1"/>
+            </a:effectRef>
+            <a:fontRef idx="minor">
+              <a:schemeClr val="tx1"/>
+            </a:fontRef>
+          </p:style>
+        </p:cxnSp>
+        <p:cxnSp>
+          <p:nvCxnSpPr>
+            <p:cNvPr id="15" name="直線コネクタ 14">
+              <a:extLst>
+                <a:ext uri="{FF2B5EF4-FFF2-40B4-BE49-F238E27FC236}">
+                  <a16:creationId xmlns:a16="http://schemas.microsoft.com/office/drawing/2014/main" id="{10BA4006-2CE3-E74A-9968-E223006CC669}"/>
+                </a:ext>
+              </a:extLst>
+            </p:cNvPr>
+            <p:cNvCxnSpPr/>
+            <p:nvPr/>
+          </p:nvCxnSpPr>
+          <p:spPr>
+            <a:xfrm>
+              <a:off x="6663045" y="525615"/>
+              <a:ext cx="0" cy="1512168"/>
+            </a:xfrm>
+            <a:prstGeom prst="line">
+              <a:avLst/>
+            </a:prstGeom>
+            <a:ln w="12700">
+              <a:solidFill>
+                <a:schemeClr val="tx1"/>
+              </a:solidFill>
+              <a:prstDash val="dash"/>
+            </a:ln>
+          </p:spPr>
+          <p:style>
+            <a:lnRef idx="1">
+              <a:schemeClr val="accent1"/>
+            </a:lnRef>
+            <a:fillRef idx="0">
+              <a:schemeClr val="accent1"/>
+            </a:fillRef>
+            <a:effectRef idx="0">
+              <a:schemeClr val="accent1"/>
+            </a:effectRef>
+            <a:fontRef idx="minor">
+              <a:schemeClr val="tx1"/>
+            </a:fontRef>
+          </p:style>
+        </p:cxnSp>
+        <p:cxnSp>
+          <p:nvCxnSpPr>
+            <p:cNvPr id="16" name="直線コネクタ 15">
+              <a:extLst>
+                <a:ext uri="{FF2B5EF4-FFF2-40B4-BE49-F238E27FC236}">
+                  <a16:creationId xmlns:a16="http://schemas.microsoft.com/office/drawing/2014/main" id="{FD4C3D90-1B4B-DA4B-B08D-636D1FDFE93C}"/>
+                </a:ext>
+              </a:extLst>
+            </p:cNvPr>
+            <p:cNvCxnSpPr>
+              <a:cxnSpLocks/>
+            </p:cNvCxnSpPr>
+            <p:nvPr/>
+          </p:nvCxnSpPr>
+          <p:spPr>
+            <a:xfrm>
+              <a:off x="5148064" y="2037783"/>
+              <a:ext cx="1514981" cy="0"/>
+            </a:xfrm>
+            <a:prstGeom prst="line">
+              <a:avLst/>
+            </a:prstGeom>
+            <a:ln w="12700">
+              <a:solidFill>
+                <a:schemeClr val="tx1"/>
+              </a:solidFill>
+              <a:prstDash val="dash"/>
+            </a:ln>
+          </p:spPr>
+          <p:style>
+            <a:lnRef idx="1">
+              <a:schemeClr val="accent1"/>
+            </a:lnRef>
+            <a:fillRef idx="0">
+              <a:schemeClr val="accent1"/>
+            </a:fillRef>
+            <a:effectRef idx="0">
+              <a:schemeClr val="accent1"/>
+            </a:effectRef>
+            <a:fontRef idx="minor">
+              <a:schemeClr val="tx1"/>
+            </a:fontRef>
+          </p:style>
+        </p:cxnSp>
+        <p:cxnSp>
+          <p:nvCxnSpPr>
+            <p:cNvPr id="19" name="直線コネクタ 18">
+              <a:extLst>
+                <a:ext uri="{FF2B5EF4-FFF2-40B4-BE49-F238E27FC236}">
+                  <a16:creationId xmlns:a16="http://schemas.microsoft.com/office/drawing/2014/main" id="{0C1CBE9B-AC44-A047-9419-EBA7593D0F57}"/>
+                </a:ext>
+              </a:extLst>
+            </p:cNvPr>
+            <p:cNvCxnSpPr/>
+            <p:nvPr/>
+          </p:nvCxnSpPr>
+          <p:spPr>
+            <a:xfrm flipV="1">
+              <a:off x="5148064" y="525615"/>
+              <a:ext cx="0" cy="1512168"/>
+            </a:xfrm>
+            <a:prstGeom prst="line">
+              <a:avLst/>
+            </a:prstGeom>
+            <a:ln w="12700">
+              <a:solidFill>
+                <a:schemeClr val="tx1"/>
+              </a:solidFill>
+            </a:ln>
+          </p:spPr>
+          <p:style>
+            <a:lnRef idx="1">
+              <a:schemeClr val="accent1"/>
+            </a:lnRef>
+            <a:fillRef idx="0">
+              <a:schemeClr val="accent1"/>
+            </a:fillRef>
+            <a:effectRef idx="0">
+              <a:schemeClr val="accent1"/>
+            </a:effectRef>
+            <a:fontRef idx="minor">
+              <a:schemeClr val="tx1"/>
+            </a:fontRef>
+          </p:style>
+        </p:cxnSp>
+        <p:cxnSp>
+          <p:nvCxnSpPr>
+            <p:cNvPr id="21" name="直線コネクタ 20">
+              <a:extLst>
+                <a:ext uri="{FF2B5EF4-FFF2-40B4-BE49-F238E27FC236}">
+                  <a16:creationId xmlns:a16="http://schemas.microsoft.com/office/drawing/2014/main" id="{01A18A87-2150-6C4D-8D4F-5D9052870C92}"/>
+                </a:ext>
+              </a:extLst>
+            </p:cNvPr>
+            <p:cNvCxnSpPr/>
+            <p:nvPr/>
+          </p:nvCxnSpPr>
+          <p:spPr>
+            <a:xfrm>
+              <a:off x="5148064" y="525615"/>
+              <a:ext cx="1514981" cy="0"/>
+            </a:xfrm>
+            <a:prstGeom prst="line">
+              <a:avLst/>
+            </a:prstGeom>
+            <a:ln w="12700">
+              <a:solidFill>
+                <a:schemeClr val="tx1"/>
+              </a:solidFill>
+            </a:ln>
+          </p:spPr>
+          <p:style>
+            <a:lnRef idx="1">
+              <a:schemeClr val="accent1"/>
+            </a:lnRef>
+            <a:fillRef idx="0">
+              <a:schemeClr val="accent1"/>
+            </a:fillRef>
+            <a:effectRef idx="0">
+              <a:schemeClr val="accent1"/>
+            </a:effectRef>
+            <a:fontRef idx="minor">
+              <a:schemeClr val="tx1"/>
+            </a:fontRef>
+          </p:style>
+        </p:cxnSp>
+      </p:grpSp>
+      <p:sp>
+        <p:nvSpPr>
+          <p:cNvPr id="23" name="正方形/長方形 22">
+            <a:extLst>
+              <a:ext uri="{FF2B5EF4-FFF2-40B4-BE49-F238E27FC236}">
+                <a16:creationId xmlns:a16="http://schemas.microsoft.com/office/drawing/2014/main" id="{C24037D3-55FA-4D42-B81A-1012EAC8075D}"/>
+              </a:ext>
+            </a:extLst>
+          </p:cNvPr>
+          <p:cNvSpPr/>
+          <p:nvPr/>
+        </p:nvSpPr>
+        <p:spPr>
+          <a:xfrm>
+            <a:off x="840160" y="692696"/>
+            <a:ext cx="1296144" cy="1152128"/>
+          </a:xfrm>
+          <a:prstGeom prst="rect">
+            <a:avLst/>
+          </a:prstGeom>
+          <a:solidFill>
+            <a:srgbClr val="00B0F0"/>
+          </a:solidFill>
+          <a:ln>
+            <a:solidFill>
+              <a:schemeClr val="tx1"/>
+            </a:solidFill>
+          </a:ln>
+        </p:spPr>
+        <p:style>
+          <a:lnRef idx="2">
+            <a:schemeClr val="accent1">
+              <a:shade val="50000"/>
+            </a:schemeClr>
+          </a:lnRef>
+          <a:fillRef idx="1">
+            <a:schemeClr val="accent1"/>
+          </a:fillRef>
+          <a:effectRef idx="0">
+            <a:schemeClr val="accent1"/>
+          </a:effectRef>
+          <a:fontRef idx="minor">
+            <a:schemeClr val="lt1"/>
+          </a:fontRef>
+        </p:style>
+        <p:txBody>
+          <a:bodyPr rtlCol="0" anchor="ctr"/>
+          <a:lstStyle/>
+          <a:p>
+            <a:pPr algn="ctr"/>
+            <a:r>
+              <a:rPr kumimoji="1" lang="en-US" altLang="ja-JP" dirty="0">
+                <a:solidFill>
+                  <a:schemeClr val="tx1"/>
+                </a:solidFill>
+              </a:rPr>
+              <a:t>Liquid</a:t>
+            </a:r>
+            <a:endParaRPr kumimoji="1" lang="ja-JP" altLang="en-US">
+              <a:solidFill>
+                <a:schemeClr val="tx1"/>
+              </a:solidFill>
+            </a:endParaRPr>
+          </a:p>
+        </p:txBody>
+      </p:sp>
+      <p:sp>
+        <p:nvSpPr>
+          <p:cNvPr id="24" name="正方形/長方形 23">
+            <a:extLst>
+              <a:ext uri="{FF2B5EF4-FFF2-40B4-BE49-F238E27FC236}">
+                <a16:creationId xmlns:a16="http://schemas.microsoft.com/office/drawing/2014/main" id="{67FD9946-5FDC-FA46-A22F-7C1997533D3D}"/>
+              </a:ext>
+            </a:extLst>
+          </p:cNvPr>
+          <p:cNvSpPr/>
+          <p:nvPr/>
+        </p:nvSpPr>
+        <p:spPr>
+          <a:xfrm>
+            <a:off x="2136304" y="692696"/>
+            <a:ext cx="1296144" cy="1152128"/>
+          </a:xfrm>
+          <a:prstGeom prst="rect">
+            <a:avLst/>
+          </a:prstGeom>
+          <a:solidFill>
+            <a:schemeClr val="accent5">
+              <a:lumMod val="20000"/>
+              <a:lumOff val="80000"/>
+            </a:schemeClr>
+          </a:solidFill>
+          <a:ln>
+            <a:solidFill>
+              <a:schemeClr val="tx1"/>
+            </a:solidFill>
+          </a:ln>
+        </p:spPr>
+        <p:style>
+          <a:lnRef idx="2">
+            <a:schemeClr val="accent1">
+              <a:shade val="50000"/>
+            </a:schemeClr>
+          </a:lnRef>
+          <a:fillRef idx="1">
+            <a:schemeClr val="accent1"/>
+          </a:fillRef>
+          <a:effectRef idx="0">
+            <a:schemeClr val="accent1"/>
+          </a:effectRef>
+          <a:fontRef idx="minor">
+            <a:schemeClr val="lt1"/>
+          </a:fontRef>
+        </p:style>
+        <p:txBody>
+          <a:bodyPr rtlCol="0" anchor="ctr"/>
+          <a:lstStyle/>
+          <a:p>
+            <a:pPr algn="ctr"/>
+            <a:r>
+              <a:rPr kumimoji="1" lang="en-US" altLang="ja-JP" dirty="0">
+                <a:solidFill>
+                  <a:schemeClr val="tx1"/>
+                </a:solidFill>
+              </a:rPr>
+              <a:t>Gas</a:t>
+            </a:r>
+            <a:endParaRPr kumimoji="1" lang="ja-JP" altLang="en-US">
+              <a:solidFill>
+                <a:schemeClr val="tx1"/>
+              </a:solidFill>
+            </a:endParaRPr>
+          </a:p>
+        </p:txBody>
+      </p:sp>
+    </p:spTree>
+    <p:extLst>
+      <p:ext uri="{BB962C8B-B14F-4D97-AF65-F5344CB8AC3E}">
+        <p14:creationId xmlns:p14="http://schemas.microsoft.com/office/powerpoint/2010/main" val="2231194423"/>
+      </p:ext>
+    </p:extLst>
+  </p:cSld>
+  <p:clrMapOvr>
+    <a:masterClrMapping/>
+  </p:clrMapOvr>
+</p:sld>
+</file>
+
+<file path=ppt/slides/slide3.xml><?xml version="1.0" encoding="utf-8"?>
+<p:sld xmlns:a="http://schemas.openxmlformats.org/drawingml/2006/main" xmlns:r="http://schemas.openxmlformats.org/officeDocument/2006/relationships" xmlns:p="http://schemas.openxmlformats.org/presentationml/2006/main">
+  <p:cSld>
+    <p:spTree>
+      <p:nvGrpSpPr>
+        <p:cNvPr id="1" name=""/>
+        <p:cNvGrpSpPr/>
+        <p:nvPr/>
+      </p:nvGrpSpPr>
+      <p:grpSpPr>
+        <a:xfrm>
+          <a:off x="0" y="0"/>
+          <a:ext cx="0" cy="0"/>
+          <a:chOff x="0" y="0"/>
+          <a:chExt cx="0" cy="0"/>
+        </a:xfrm>
+      </p:grpSpPr>
+      <p:sp>
+        <p:nvSpPr>
+          <p:cNvPr id="2" name="円/楕円 1">
+            <a:extLst>
+              <a:ext uri="{FF2B5EF4-FFF2-40B4-BE49-F238E27FC236}">
+                <a16:creationId xmlns:a16="http://schemas.microsoft.com/office/drawing/2014/main" id="{58007C53-8A42-8943-9A69-71740E07D706}"/>
+              </a:ext>
+            </a:extLst>
+          </p:cNvPr>
+          <p:cNvSpPr/>
+          <p:nvPr/>
+        </p:nvSpPr>
+        <p:spPr>
+          <a:xfrm>
+            <a:off x="2555776" y="2276872"/>
+            <a:ext cx="720080" cy="720080"/>
+          </a:xfrm>
+          <a:prstGeom prst="ellipse">
+            <a:avLst/>
+          </a:prstGeom>
+          <a:noFill/>
+          <a:ln>
+            <a:solidFill>
+              <a:schemeClr val="tx1"/>
+            </a:solidFill>
+          </a:ln>
+        </p:spPr>
+        <p:style>
+          <a:lnRef idx="2">
+            <a:schemeClr val="accent1">
+              <a:shade val="50000"/>
+            </a:schemeClr>
+          </a:lnRef>
+          <a:fillRef idx="1">
+            <a:schemeClr val="accent1"/>
+          </a:fillRef>
+          <a:effectRef idx="0">
+            <a:schemeClr val="accent1"/>
+          </a:effectRef>
+          <a:fontRef idx="minor">
+            <a:schemeClr val="lt1"/>
+          </a:fontRef>
+        </p:style>
+        <p:txBody>
+          <a:bodyPr rtlCol="0" anchor="ctr"/>
+          <a:lstStyle/>
+          <a:p>
+            <a:pPr algn="ctr"/>
+            <a:endParaRPr kumimoji="1" lang="ja-JP" altLang="en-US">
+              <a:solidFill>
+                <a:schemeClr val="tx1"/>
+              </a:solidFill>
+            </a:endParaRPr>
+          </a:p>
+        </p:txBody>
+      </p:sp>
+      <p:sp>
+        <p:nvSpPr>
+          <p:cNvPr id="3" name="円/楕円 2">
+            <a:extLst>
+              <a:ext uri="{FF2B5EF4-FFF2-40B4-BE49-F238E27FC236}">
+                <a16:creationId xmlns:a16="http://schemas.microsoft.com/office/drawing/2014/main" id="{EBE89284-9252-8B45-8CD7-D0F7A0596419}"/>
+              </a:ext>
+            </a:extLst>
+          </p:cNvPr>
+          <p:cNvSpPr/>
+          <p:nvPr/>
+        </p:nvSpPr>
+        <p:spPr>
+          <a:xfrm>
+            <a:off x="5148064" y="1340768"/>
+            <a:ext cx="720080" cy="720080"/>
+          </a:xfrm>
+          <a:prstGeom prst="ellipse">
+            <a:avLst/>
+          </a:prstGeom>
+          <a:noFill/>
+          <a:ln>
+            <a:solidFill>
+              <a:schemeClr val="tx1"/>
+            </a:solidFill>
+          </a:ln>
+        </p:spPr>
+        <p:style>
+          <a:lnRef idx="2">
+            <a:schemeClr val="accent1">
+              <a:shade val="50000"/>
+            </a:schemeClr>
+          </a:lnRef>
+          <a:fillRef idx="1">
+            <a:schemeClr val="accent1"/>
+          </a:fillRef>
+          <a:effectRef idx="0">
+            <a:schemeClr val="accent1"/>
+          </a:effectRef>
+          <a:fontRef idx="minor">
+            <a:schemeClr val="lt1"/>
+          </a:fontRef>
+        </p:style>
+        <p:txBody>
+          <a:bodyPr rtlCol="0" anchor="ctr"/>
+          <a:lstStyle/>
+          <a:p>
+            <a:pPr algn="ctr"/>
+            <a:endParaRPr kumimoji="1" lang="ja-JP" altLang="en-US">
+              <a:solidFill>
+                <a:schemeClr val="tx1"/>
+              </a:solidFill>
+            </a:endParaRPr>
+          </a:p>
+        </p:txBody>
+      </p:sp>
+      <p:sp>
+        <p:nvSpPr>
+          <p:cNvPr id="6" name="正方形/長方形 5">
+            <a:extLst>
+              <a:ext uri="{FF2B5EF4-FFF2-40B4-BE49-F238E27FC236}">
+                <a16:creationId xmlns:a16="http://schemas.microsoft.com/office/drawing/2014/main" id="{B31DC535-5515-3E45-B94E-26016DB02406}"/>
+              </a:ext>
+            </a:extLst>
+          </p:cNvPr>
+          <p:cNvSpPr/>
+          <p:nvPr/>
+        </p:nvSpPr>
+        <p:spPr>
+          <a:xfrm>
+            <a:off x="971600" y="692696"/>
+            <a:ext cx="1368152" cy="2952328"/>
+          </a:xfrm>
+          <a:prstGeom prst="rect">
+            <a:avLst/>
+          </a:prstGeom>
+          <a:noFill/>
+          <a:ln>
+            <a:solidFill>
+              <a:schemeClr val="tx1"/>
+            </a:solidFill>
+          </a:ln>
+        </p:spPr>
+        <p:style>
+          <a:lnRef idx="2">
+            <a:schemeClr val="accent1">
+              <a:shade val="50000"/>
+            </a:schemeClr>
+          </a:lnRef>
+          <a:fillRef idx="1">
+            <a:schemeClr val="accent1"/>
+          </a:fillRef>
+          <a:effectRef idx="0">
+            <a:schemeClr val="accent1"/>
+          </a:effectRef>
+          <a:fontRef idx="minor">
+            <a:schemeClr val="lt1"/>
+          </a:fontRef>
+        </p:style>
+        <p:txBody>
+          <a:bodyPr rtlCol="0" anchor="ctr"/>
+          <a:lstStyle/>
+          <a:p>
+            <a:pPr algn="ctr"/>
+            <a:endParaRPr kumimoji="1" lang="ja-JP" altLang="en-US">
+              <a:solidFill>
+                <a:schemeClr val="tx1"/>
+              </a:solidFill>
+            </a:endParaRPr>
+          </a:p>
+        </p:txBody>
+      </p:sp>
+      <p:sp>
+        <p:nvSpPr>
+          <p:cNvPr id="7" name="正方形/長方形 6">
+            <a:extLst>
+              <a:ext uri="{FF2B5EF4-FFF2-40B4-BE49-F238E27FC236}">
+                <a16:creationId xmlns:a16="http://schemas.microsoft.com/office/drawing/2014/main" id="{B973D8E5-3332-2D46-B883-33C3C6BEADFD}"/>
+              </a:ext>
+            </a:extLst>
+          </p:cNvPr>
+          <p:cNvSpPr/>
+          <p:nvPr/>
+        </p:nvSpPr>
+        <p:spPr>
+          <a:xfrm>
+            <a:off x="2339752" y="692696"/>
+            <a:ext cx="1368152" cy="2952328"/>
+          </a:xfrm>
+          <a:prstGeom prst="rect">
+            <a:avLst/>
+          </a:prstGeom>
+          <a:noFill/>
+          <a:ln>
+            <a:solidFill>
+              <a:schemeClr val="tx1"/>
+            </a:solidFill>
+          </a:ln>
+        </p:spPr>
+        <p:style>
+          <a:lnRef idx="2">
+            <a:schemeClr val="accent1">
+              <a:shade val="50000"/>
+            </a:schemeClr>
+          </a:lnRef>
+          <a:fillRef idx="1">
+            <a:schemeClr val="accent1"/>
+          </a:fillRef>
+          <a:effectRef idx="0">
+            <a:schemeClr val="accent1"/>
+          </a:effectRef>
+          <a:fontRef idx="minor">
+            <a:schemeClr val="lt1"/>
+          </a:fontRef>
+        </p:style>
+        <p:txBody>
+          <a:bodyPr rtlCol="0" anchor="ctr"/>
+          <a:lstStyle/>
+          <a:p>
+            <a:pPr algn="ctr"/>
+            <a:endParaRPr kumimoji="1" lang="ja-JP" altLang="en-US">
+              <a:solidFill>
+                <a:schemeClr val="tx1"/>
+              </a:solidFill>
+            </a:endParaRPr>
+          </a:p>
+        </p:txBody>
+      </p:sp>
+      <p:sp>
+        <p:nvSpPr>
+          <p:cNvPr id="8" name="正方形/長方形 7">
+            <a:extLst>
+              <a:ext uri="{FF2B5EF4-FFF2-40B4-BE49-F238E27FC236}">
+                <a16:creationId xmlns:a16="http://schemas.microsoft.com/office/drawing/2014/main" id="{577FAE3A-F8C3-7B4C-B884-0A9EB5ECED73}"/>
+              </a:ext>
+            </a:extLst>
+          </p:cNvPr>
+          <p:cNvSpPr/>
+          <p:nvPr/>
+        </p:nvSpPr>
+        <p:spPr>
+          <a:xfrm>
+            <a:off x="3707904" y="692696"/>
+            <a:ext cx="1368152" cy="2952328"/>
+          </a:xfrm>
+          <a:prstGeom prst="rect">
+            <a:avLst/>
+          </a:prstGeom>
+          <a:noFill/>
+          <a:ln>
+            <a:solidFill>
+              <a:schemeClr val="tx1"/>
+            </a:solidFill>
+          </a:ln>
+        </p:spPr>
+        <p:style>
+          <a:lnRef idx="2">
+            <a:schemeClr val="accent1">
+              <a:shade val="50000"/>
+            </a:schemeClr>
+          </a:lnRef>
+          <a:fillRef idx="1">
+            <a:schemeClr val="accent1"/>
+          </a:fillRef>
+          <a:effectRef idx="0">
+            <a:schemeClr val="accent1"/>
+          </a:effectRef>
+          <a:fontRef idx="minor">
+            <a:schemeClr val="lt1"/>
+          </a:fontRef>
+        </p:style>
+        <p:txBody>
+          <a:bodyPr rtlCol="0" anchor="ctr"/>
+          <a:lstStyle/>
+          <a:p>
+            <a:pPr algn="ctr"/>
+            <a:endParaRPr kumimoji="1" lang="ja-JP" altLang="en-US">
+              <a:solidFill>
+                <a:schemeClr val="tx1"/>
+              </a:solidFill>
+            </a:endParaRPr>
+          </a:p>
+        </p:txBody>
+      </p:sp>
+      <p:sp>
+        <p:nvSpPr>
+          <p:cNvPr id="9" name="正方形/長方形 8">
+            <a:extLst>
+              <a:ext uri="{FF2B5EF4-FFF2-40B4-BE49-F238E27FC236}">
+                <a16:creationId xmlns:a16="http://schemas.microsoft.com/office/drawing/2014/main" id="{9A367303-5E0A-7246-AB45-8ECC174FAB13}"/>
+              </a:ext>
+            </a:extLst>
+          </p:cNvPr>
+          <p:cNvSpPr/>
+          <p:nvPr/>
+        </p:nvSpPr>
+        <p:spPr>
+          <a:xfrm>
+            <a:off x="5076056" y="692696"/>
+            <a:ext cx="1368152" cy="2952328"/>
+          </a:xfrm>
+          <a:prstGeom prst="rect">
+            <a:avLst/>
+          </a:prstGeom>
+          <a:noFill/>
+          <a:ln>
+            <a:solidFill>
+              <a:schemeClr val="tx1"/>
+            </a:solidFill>
+          </a:ln>
+        </p:spPr>
+        <p:style>
+          <a:lnRef idx="2">
+            <a:schemeClr val="accent1">
+              <a:shade val="50000"/>
+            </a:schemeClr>
+          </a:lnRef>
+          <a:fillRef idx="1">
+            <a:schemeClr val="accent1"/>
+          </a:fillRef>
+          <a:effectRef idx="0">
+            <a:schemeClr val="accent1"/>
+          </a:effectRef>
+          <a:fontRef idx="minor">
+            <a:schemeClr val="lt1"/>
+          </a:fontRef>
+        </p:style>
+        <p:txBody>
+          <a:bodyPr rtlCol="0" anchor="ctr"/>
+          <a:lstStyle/>
+          <a:p>
+            <a:pPr algn="ctr"/>
+            <a:endParaRPr kumimoji="1" lang="ja-JP" altLang="en-US">
+              <a:solidFill>
+                <a:schemeClr val="tx1"/>
+              </a:solidFill>
+            </a:endParaRPr>
+          </a:p>
+        </p:txBody>
+      </p:sp>
+      <p:sp>
+        <p:nvSpPr>
+          <p:cNvPr id="10" name="正方形/長方形 9">
+            <a:extLst>
+              <a:ext uri="{FF2B5EF4-FFF2-40B4-BE49-F238E27FC236}">
+                <a16:creationId xmlns:a16="http://schemas.microsoft.com/office/drawing/2014/main" id="{9E1B0D50-CA83-DF43-8E00-609630C3867C}"/>
+              </a:ext>
+            </a:extLst>
+          </p:cNvPr>
+          <p:cNvSpPr/>
+          <p:nvPr/>
+        </p:nvSpPr>
+        <p:spPr>
+          <a:xfrm>
+            <a:off x="6444208" y="692696"/>
+            <a:ext cx="1368152" cy="2952328"/>
+          </a:xfrm>
+          <a:prstGeom prst="rect">
+            <a:avLst/>
+          </a:prstGeom>
+          <a:noFill/>
+          <a:ln>
+            <a:solidFill>
+              <a:schemeClr val="tx1"/>
+            </a:solidFill>
+          </a:ln>
+        </p:spPr>
+        <p:style>
+          <a:lnRef idx="2">
+            <a:schemeClr val="accent1">
+              <a:shade val="50000"/>
+            </a:schemeClr>
+          </a:lnRef>
+          <a:fillRef idx="1">
+            <a:schemeClr val="accent1"/>
+          </a:fillRef>
+          <a:effectRef idx="0">
+            <a:schemeClr val="accent1"/>
+          </a:effectRef>
+          <a:fontRef idx="minor">
+            <a:schemeClr val="lt1"/>
+          </a:fontRef>
+        </p:style>
+        <p:txBody>
+          <a:bodyPr rtlCol="0" anchor="ctr"/>
+          <a:lstStyle/>
+          <a:p>
+            <a:pPr algn="ctr"/>
+            <a:endParaRPr kumimoji="1" lang="ja-JP" altLang="en-US">
+              <a:solidFill>
+                <a:schemeClr val="tx1"/>
+              </a:solidFill>
+            </a:endParaRPr>
+          </a:p>
+        </p:txBody>
+      </p:sp>
+      <p:cxnSp>
+        <p:nvCxnSpPr>
+          <p:cNvPr id="12" name="直線矢印コネクタ 11">
+            <a:extLst>
+              <a:ext uri="{FF2B5EF4-FFF2-40B4-BE49-F238E27FC236}">
+                <a16:creationId xmlns:a16="http://schemas.microsoft.com/office/drawing/2014/main" id="{680E58E4-B230-6849-8CC6-90B561224005}"/>
+              </a:ext>
+            </a:extLst>
+          </p:cNvPr>
+          <p:cNvCxnSpPr/>
+          <p:nvPr/>
+        </p:nvCxnSpPr>
+        <p:spPr>
+          <a:xfrm flipH="1">
+            <a:off x="2915816" y="1700808"/>
+            <a:ext cx="2592288" cy="936104"/>
+          </a:xfrm>
+          <a:prstGeom prst="straightConnector1">
+            <a:avLst/>
+          </a:prstGeom>
+          <a:ln w="12700">
+            <a:solidFill>
+              <a:schemeClr val="tx1"/>
+            </a:solidFill>
+            <a:headEnd type="triangle"/>
+            <a:tailEnd type="triangle"/>
+          </a:ln>
+        </p:spPr>
+        <p:style>
+          <a:lnRef idx="1">
+            <a:schemeClr val="accent1"/>
+          </a:lnRef>
+          <a:fillRef idx="0">
+            <a:schemeClr val="accent1"/>
+          </a:fillRef>
+          <a:effectRef idx="0">
+            <a:schemeClr val="accent1"/>
+          </a:effectRef>
+          <a:fontRef idx="minor">
+            <a:schemeClr val="tx1"/>
+          </a:fontRef>
+        </p:style>
+      </p:cxnSp>
+      <p:cxnSp>
+        <p:nvCxnSpPr>
+          <p:cNvPr id="18" name="直線コネクタ 17">
+            <a:extLst>
+              <a:ext uri="{FF2B5EF4-FFF2-40B4-BE49-F238E27FC236}">
+                <a16:creationId xmlns:a16="http://schemas.microsoft.com/office/drawing/2014/main" id="{4F8435DD-42BA-D74A-BFE6-D0A1990C82AD}"/>
+              </a:ext>
+            </a:extLst>
+          </p:cNvPr>
+          <p:cNvCxnSpPr>
+            <a:cxnSpLocks/>
+          </p:cNvCxnSpPr>
+          <p:nvPr/>
+        </p:nvCxnSpPr>
+        <p:spPr>
+          <a:xfrm>
+            <a:off x="2915816" y="3789040"/>
+            <a:ext cx="792088" cy="0"/>
+          </a:xfrm>
+          <a:prstGeom prst="line">
+            <a:avLst/>
+          </a:prstGeom>
+          <a:ln w="12700">
+            <a:solidFill>
+              <a:schemeClr val="tx1"/>
+            </a:solidFill>
+            <a:headEnd type="triangle" w="med" len="med"/>
+            <a:tailEnd type="triangle" w="med" len="med"/>
+          </a:ln>
+        </p:spPr>
+        <p:style>
+          <a:lnRef idx="1">
+            <a:schemeClr val="accent1"/>
+          </a:lnRef>
+          <a:fillRef idx="0">
+            <a:schemeClr val="accent1"/>
+          </a:fillRef>
+          <a:effectRef idx="0">
+            <a:schemeClr val="accent1"/>
+          </a:effectRef>
+          <a:fontRef idx="minor">
+            <a:schemeClr val="tx1"/>
+          </a:fontRef>
+        </p:style>
+      </p:cxnSp>
+      <p:cxnSp>
+        <p:nvCxnSpPr>
+          <p:cNvPr id="19" name="直線コネクタ 18">
+            <a:extLst>
+              <a:ext uri="{FF2B5EF4-FFF2-40B4-BE49-F238E27FC236}">
+                <a16:creationId xmlns:a16="http://schemas.microsoft.com/office/drawing/2014/main" id="{A5AE6E86-5455-4E4F-ADB6-31871ACAAB75}"/>
+              </a:ext>
+            </a:extLst>
+          </p:cNvPr>
+          <p:cNvCxnSpPr>
+            <a:cxnSpLocks/>
+          </p:cNvCxnSpPr>
+          <p:nvPr/>
+        </p:nvCxnSpPr>
+        <p:spPr>
+          <a:xfrm>
+            <a:off x="3707904" y="3785937"/>
+            <a:ext cx="1368152" cy="0"/>
+          </a:xfrm>
+          <a:prstGeom prst="line">
+            <a:avLst/>
+          </a:prstGeom>
+          <a:ln w="12700">
+            <a:solidFill>
+              <a:schemeClr val="tx1"/>
+            </a:solidFill>
+            <a:headEnd type="triangle" w="med" len="med"/>
+            <a:tailEnd type="triangle" w="med" len="med"/>
+          </a:ln>
+        </p:spPr>
+        <p:style>
+          <a:lnRef idx="1">
+            <a:schemeClr val="accent1"/>
+          </a:lnRef>
+          <a:fillRef idx="0">
+            <a:schemeClr val="accent1"/>
+          </a:fillRef>
+          <a:effectRef idx="0">
+            <a:schemeClr val="accent1"/>
+          </a:effectRef>
+          <a:fontRef idx="minor">
+            <a:schemeClr val="tx1"/>
+          </a:fontRef>
+        </p:style>
+      </p:cxnSp>
+      <p:cxnSp>
+        <p:nvCxnSpPr>
+          <p:cNvPr id="22" name="直線コネクタ 21">
+            <a:extLst>
+              <a:ext uri="{FF2B5EF4-FFF2-40B4-BE49-F238E27FC236}">
+                <a16:creationId xmlns:a16="http://schemas.microsoft.com/office/drawing/2014/main" id="{09BC9F2C-5A74-C243-A32A-CC655CF5BD0D}"/>
+              </a:ext>
+            </a:extLst>
+          </p:cNvPr>
+          <p:cNvCxnSpPr>
+            <a:cxnSpLocks/>
+          </p:cNvCxnSpPr>
+          <p:nvPr/>
+        </p:nvCxnSpPr>
+        <p:spPr>
+          <a:xfrm>
+            <a:off x="5076056" y="3785937"/>
+            <a:ext cx="432048" cy="0"/>
+          </a:xfrm>
+          <a:prstGeom prst="line">
+            <a:avLst/>
+          </a:prstGeom>
+          <a:ln w="12700">
+            <a:solidFill>
+              <a:schemeClr val="tx1"/>
+            </a:solidFill>
+            <a:headEnd type="triangle" w="med" len="med"/>
+            <a:tailEnd type="triangle" w="med" len="med"/>
+          </a:ln>
+        </p:spPr>
+        <p:style>
+          <a:lnRef idx="1">
+            <a:schemeClr val="accent1"/>
+          </a:lnRef>
+          <a:fillRef idx="0">
+            <a:schemeClr val="accent1"/>
+          </a:fillRef>
+          <a:effectRef idx="0">
+            <a:schemeClr val="accent1"/>
+          </a:effectRef>
+          <a:fontRef idx="minor">
+            <a:schemeClr val="tx1"/>
+          </a:fontRef>
+        </p:style>
+      </p:cxnSp>
+      <p:cxnSp>
+        <p:nvCxnSpPr>
+          <p:cNvPr id="25" name="直線コネクタ 24">
+            <a:extLst>
+              <a:ext uri="{FF2B5EF4-FFF2-40B4-BE49-F238E27FC236}">
+                <a16:creationId xmlns:a16="http://schemas.microsoft.com/office/drawing/2014/main" id="{F663D88D-A9AD-0944-B717-73320B3F2418}"/>
+              </a:ext>
+            </a:extLst>
+          </p:cNvPr>
+          <p:cNvCxnSpPr/>
+          <p:nvPr/>
+        </p:nvCxnSpPr>
+        <p:spPr>
+          <a:xfrm>
+            <a:off x="2915816" y="2636912"/>
+            <a:ext cx="0" cy="1296144"/>
+          </a:xfrm>
+          <a:prstGeom prst="line">
+            <a:avLst/>
+          </a:prstGeom>
+          <a:ln w="12700">
+            <a:solidFill>
+              <a:schemeClr val="tx1"/>
+            </a:solidFill>
+            <a:prstDash val="dash"/>
+          </a:ln>
+        </p:spPr>
+        <p:style>
+          <a:lnRef idx="1">
+            <a:schemeClr val="accent1"/>
+          </a:lnRef>
+          <a:fillRef idx="0">
+            <a:schemeClr val="accent1"/>
+          </a:fillRef>
+          <a:effectRef idx="0">
+            <a:schemeClr val="accent1"/>
+          </a:effectRef>
+          <a:fontRef idx="minor">
+            <a:schemeClr val="tx1"/>
+          </a:fontRef>
+        </p:style>
+      </p:cxnSp>
+      <p:cxnSp>
+        <p:nvCxnSpPr>
+          <p:cNvPr id="27" name="直線コネクタ 26">
+            <a:extLst>
+              <a:ext uri="{FF2B5EF4-FFF2-40B4-BE49-F238E27FC236}">
+                <a16:creationId xmlns:a16="http://schemas.microsoft.com/office/drawing/2014/main" id="{DC5C9727-530E-654D-9ABD-88710F22475E}"/>
+              </a:ext>
+            </a:extLst>
+          </p:cNvPr>
+          <p:cNvCxnSpPr>
+            <a:cxnSpLocks/>
+          </p:cNvCxnSpPr>
+          <p:nvPr/>
+        </p:nvCxnSpPr>
+        <p:spPr>
+          <a:xfrm>
+            <a:off x="5512278" y="1700808"/>
+            <a:ext cx="0" cy="2232248"/>
+          </a:xfrm>
+          <a:prstGeom prst="line">
+            <a:avLst/>
+          </a:prstGeom>
+          <a:ln w="12700">
+            <a:solidFill>
+              <a:schemeClr val="tx1"/>
+            </a:solidFill>
+            <a:prstDash val="dash"/>
+          </a:ln>
+        </p:spPr>
+        <p:style>
+          <a:lnRef idx="1">
+            <a:schemeClr val="accent1"/>
+          </a:lnRef>
+          <a:fillRef idx="0">
+            <a:schemeClr val="accent1"/>
+          </a:fillRef>
+          <a:effectRef idx="0">
+            <a:schemeClr val="accent1"/>
+          </a:effectRef>
+          <a:fontRef idx="minor">
+            <a:schemeClr val="tx1"/>
+          </a:fontRef>
+        </p:style>
+      </p:cxnSp>
+      <p:pic>
+        <p:nvPicPr>
+          <p:cNvPr id="30" name="図 29">
+            <a:extLst>
+              <a:ext uri="{FF2B5EF4-FFF2-40B4-BE49-F238E27FC236}">
+                <a16:creationId xmlns:a16="http://schemas.microsoft.com/office/drawing/2014/main" id="{F49AEE6E-62FB-0C4C-8C8A-A880B7D76143}"/>
+              </a:ext>
+            </a:extLst>
+          </p:cNvPr>
+          <p:cNvPicPr>
+            <a:picLocks noChangeAspect="1"/>
+          </p:cNvPicPr>
+          <p:nvPr/>
+        </p:nvPicPr>
+        <p:blipFill>
+          <a:blip r:embed="rId2"/>
+          <a:stretch>
+            <a:fillRect/>
+          </a:stretch>
+        </p:blipFill>
+        <p:spPr>
+          <a:xfrm>
+            <a:off x="2699792" y="1556792"/>
+            <a:ext cx="368300" cy="520700"/>
+          </a:xfrm>
+          <a:prstGeom prst="rect">
+            <a:avLst/>
+          </a:prstGeom>
+        </p:spPr>
+      </p:pic>
+      <p:pic>
+        <p:nvPicPr>
+          <p:cNvPr id="31" name="図 30">
+            <a:extLst>
+              <a:ext uri="{FF2B5EF4-FFF2-40B4-BE49-F238E27FC236}">
+                <a16:creationId xmlns:a16="http://schemas.microsoft.com/office/drawing/2014/main" id="{06A1A370-B878-CF4F-83E9-6ECAF74F1C51}"/>
+              </a:ext>
+            </a:extLst>
+          </p:cNvPr>
+          <p:cNvPicPr>
+            <a:picLocks noChangeAspect="1"/>
+          </p:cNvPicPr>
+          <p:nvPr/>
+        </p:nvPicPr>
+        <p:blipFill>
+          <a:blip r:embed="rId3"/>
+          <a:stretch>
+            <a:fillRect/>
+          </a:stretch>
+        </p:blipFill>
+        <p:spPr>
+          <a:xfrm>
+            <a:off x="5347896" y="756382"/>
+            <a:ext cx="368300" cy="520700"/>
+          </a:xfrm>
+          <a:prstGeom prst="rect">
+            <a:avLst/>
+          </a:prstGeom>
+        </p:spPr>
+      </p:pic>
+      <p:pic>
+        <p:nvPicPr>
+          <p:cNvPr id="32" name="図 31">
+            <a:extLst>
+              <a:ext uri="{FF2B5EF4-FFF2-40B4-BE49-F238E27FC236}">
+                <a16:creationId xmlns:a16="http://schemas.microsoft.com/office/drawing/2014/main" id="{CE36D08B-7414-C64D-AEB9-AEB5BAE8C2AF}"/>
+              </a:ext>
+            </a:extLst>
+          </p:cNvPr>
+          <p:cNvPicPr>
+            <a:picLocks noChangeAspect="1"/>
+          </p:cNvPicPr>
+          <p:nvPr/>
+        </p:nvPicPr>
+        <p:blipFill>
+          <a:blip r:embed="rId4"/>
+          <a:stretch>
+            <a:fillRect/>
+          </a:stretch>
+        </p:blipFill>
+        <p:spPr>
+          <a:xfrm>
+            <a:off x="2161952" y="345356"/>
+            <a:ext cx="355600" cy="279400"/>
+          </a:xfrm>
+          <a:prstGeom prst="rect">
+            <a:avLst/>
+          </a:prstGeom>
+        </p:spPr>
+      </p:pic>
+      <p:pic>
+        <p:nvPicPr>
+          <p:cNvPr id="33" name="図 32">
+            <a:extLst>
+              <a:ext uri="{FF2B5EF4-FFF2-40B4-BE49-F238E27FC236}">
+                <a16:creationId xmlns:a16="http://schemas.microsoft.com/office/drawing/2014/main" id="{183383F1-30C0-144F-842A-A5D65044D1CD}"/>
+              </a:ext>
+            </a:extLst>
+          </p:cNvPr>
+          <p:cNvPicPr>
+            <a:picLocks noChangeAspect="1"/>
+          </p:cNvPicPr>
+          <p:nvPr/>
+        </p:nvPicPr>
+        <p:blipFill>
+          <a:blip r:embed="rId5"/>
+          <a:stretch>
+            <a:fillRect/>
+          </a:stretch>
+        </p:blipFill>
+        <p:spPr>
+          <a:xfrm>
+            <a:off x="3523754" y="345356"/>
+            <a:ext cx="368300" cy="279400"/>
+          </a:xfrm>
+          <a:prstGeom prst="rect">
+            <a:avLst/>
+          </a:prstGeom>
+        </p:spPr>
+      </p:pic>
+      <p:pic>
+        <p:nvPicPr>
+          <p:cNvPr id="34" name="図 33">
+            <a:extLst>
+              <a:ext uri="{FF2B5EF4-FFF2-40B4-BE49-F238E27FC236}">
+                <a16:creationId xmlns:a16="http://schemas.microsoft.com/office/drawing/2014/main" id="{44B553D6-659A-A142-8980-071AD5055C6A}"/>
+              </a:ext>
+            </a:extLst>
+          </p:cNvPr>
+          <p:cNvPicPr>
+            <a:picLocks noChangeAspect="1"/>
+          </p:cNvPicPr>
+          <p:nvPr/>
+        </p:nvPicPr>
+        <p:blipFill>
+          <a:blip r:embed="rId6"/>
+          <a:stretch>
+            <a:fillRect/>
+          </a:stretch>
+        </p:blipFill>
+        <p:spPr>
+          <a:xfrm>
+            <a:off x="4891906" y="332656"/>
+            <a:ext cx="368300" cy="292100"/>
+          </a:xfrm>
+          <a:prstGeom prst="rect">
+            <a:avLst/>
+          </a:prstGeom>
+        </p:spPr>
+      </p:pic>
+      <p:pic>
+        <p:nvPicPr>
+          <p:cNvPr id="35" name="図 34">
+            <a:extLst>
+              <a:ext uri="{FF2B5EF4-FFF2-40B4-BE49-F238E27FC236}">
+                <a16:creationId xmlns:a16="http://schemas.microsoft.com/office/drawing/2014/main" id="{8B57659C-DFE2-7B4F-AE6A-46E5BC438526}"/>
+              </a:ext>
+            </a:extLst>
+          </p:cNvPr>
+          <p:cNvPicPr>
+            <a:picLocks noChangeAspect="1"/>
+          </p:cNvPicPr>
+          <p:nvPr/>
+        </p:nvPicPr>
+        <p:blipFill>
+          <a:blip r:embed="rId7"/>
+          <a:stretch>
+            <a:fillRect/>
+          </a:stretch>
+        </p:blipFill>
+        <p:spPr>
+          <a:xfrm>
+            <a:off x="6252365" y="345356"/>
+            <a:ext cx="381000" cy="279400"/>
+          </a:xfrm>
+          <a:prstGeom prst="rect">
+            <a:avLst/>
+          </a:prstGeom>
+        </p:spPr>
+      </p:pic>
+      <p:pic>
+        <p:nvPicPr>
+          <p:cNvPr id="36" name="図 35">
+            <a:extLst>
+              <a:ext uri="{FF2B5EF4-FFF2-40B4-BE49-F238E27FC236}">
+                <a16:creationId xmlns:a16="http://schemas.microsoft.com/office/drawing/2014/main" id="{F1BD1538-A0BE-7D42-B9F1-464CB9A15575}"/>
+              </a:ext>
+            </a:extLst>
+          </p:cNvPr>
+          <p:cNvPicPr>
+            <a:picLocks noChangeAspect="1"/>
+          </p:cNvPicPr>
+          <p:nvPr/>
+        </p:nvPicPr>
+        <p:blipFill>
+          <a:blip r:embed="rId8"/>
+          <a:stretch>
+            <a:fillRect/>
+          </a:stretch>
+        </p:blipFill>
+        <p:spPr>
+          <a:xfrm>
+            <a:off x="3822064" y="4437112"/>
+            <a:ext cx="1221726" cy="655960"/>
+          </a:xfrm>
+          <a:prstGeom prst="rect">
+            <a:avLst/>
+          </a:prstGeom>
+        </p:spPr>
+      </p:pic>
+      <p:pic>
+        <p:nvPicPr>
+          <p:cNvPr id="37" name="図 36">
+            <a:extLst>
+              <a:ext uri="{FF2B5EF4-FFF2-40B4-BE49-F238E27FC236}">
+                <a16:creationId xmlns:a16="http://schemas.microsoft.com/office/drawing/2014/main" id="{5BE189E6-7F5F-354E-8526-0C54BD1E8457}"/>
+              </a:ext>
+            </a:extLst>
+          </p:cNvPr>
+          <p:cNvPicPr>
+            <a:picLocks noChangeAspect="1"/>
+          </p:cNvPicPr>
+          <p:nvPr/>
+        </p:nvPicPr>
+        <p:blipFill>
+          <a:blip r:embed="rId9"/>
+          <a:stretch>
+            <a:fillRect/>
+          </a:stretch>
+        </p:blipFill>
+        <p:spPr>
+          <a:xfrm>
+            <a:off x="3870788" y="2397956"/>
+            <a:ext cx="970374" cy="1197992"/>
+          </a:xfrm>
+          <a:prstGeom prst="rect">
+            <a:avLst/>
+          </a:prstGeom>
+        </p:spPr>
+      </p:pic>
+      <p:sp>
+        <p:nvSpPr>
+          <p:cNvPr id="38" name="テキスト ボックス 37">
+            <a:extLst>
+              <a:ext uri="{FF2B5EF4-FFF2-40B4-BE49-F238E27FC236}">
+                <a16:creationId xmlns:a16="http://schemas.microsoft.com/office/drawing/2014/main" id="{DD6A3045-1617-B44B-AB00-C677336F56B1}"/>
+              </a:ext>
+            </a:extLst>
+          </p:cNvPr>
+          <p:cNvSpPr txBox="1"/>
+          <p:nvPr/>
+        </p:nvSpPr>
+        <p:spPr>
+          <a:xfrm>
+            <a:off x="2564880" y="3990855"/>
+            <a:ext cx="4294765" cy="369332"/>
+          </a:xfrm>
+          <a:prstGeom prst="rect">
+            <a:avLst/>
+          </a:prstGeom>
+          <a:noFill/>
+        </p:spPr>
+        <p:txBody>
+          <a:bodyPr wrap="none" rtlCol="0">
+            <a:spAutoFit/>
+          </a:bodyPr>
+          <a:lstStyle/>
+          <a:p>
+            <a:r>
+              <a:rPr kumimoji="1" lang="ja-JP" altLang="en-US"/>
+              <a:t>この人↑はこれ↓くらいの圧力を感じる</a:t>
+            </a:r>
+          </a:p>
+        </p:txBody>
+      </p:sp>
+    </p:spTree>
+    <p:extLst>
+      <p:ext uri="{BB962C8B-B14F-4D97-AF65-F5344CB8AC3E}">
+        <p14:creationId xmlns:p14="http://schemas.microsoft.com/office/powerpoint/2010/main" val="1438220409"/>
+      </p:ext>
+    </p:extLst>
+  </p:cSld>
+  <p:clrMapOvr>
+    <a:masterClrMapping/>
+  </p:clrMapOvr>
+</p:sld>
+</file>
+
+<file path=ppt/slides/slide4.xml><?xml version="1.0" encoding="utf-8"?>
+<p:sld xmlns:a="http://schemas.openxmlformats.org/drawingml/2006/main" xmlns:r="http://schemas.openxmlformats.org/officeDocument/2006/relationships" xmlns:p="http://schemas.openxmlformats.org/presentationml/2006/main">
+  <p:cSld>
+    <p:spTree>
+      <p:nvGrpSpPr>
+        <p:cNvPr id="1" name=""/>
+        <p:cNvGrpSpPr/>
+        <p:nvPr/>
+      </p:nvGrpSpPr>
+      <p:grpSpPr>
+        <a:xfrm>
+          <a:off x="0" y="0"/>
+          <a:ext cx="0" cy="0"/>
+          <a:chOff x="0" y="0"/>
+          <a:chExt cx="0" cy="0"/>
+        </a:xfrm>
+      </p:grpSpPr>
+    </p:spTree>
+    <p:extLst>
+      <p:ext uri="{BB962C8B-B14F-4D97-AF65-F5344CB8AC3E}">
+        <p14:creationId xmlns:p14="http://schemas.microsoft.com/office/powerpoint/2010/main" val="1496405030"/>
       </p:ext>
     </p:extLst>
   </p:cSld>
